--- a/docpac_20270123/Weekly Review.pptx
+++ b/docpac_20270123/Weekly Review.pptx
@@ -8,12 +8,13 @@
     <p:sldId id="256" r:id="rId2"/>
     <p:sldId id="257" r:id="rId3"/>
     <p:sldId id="264" r:id="rId4"/>
-    <p:sldId id="267" r:id="rId5"/>
-    <p:sldId id="270" r:id="rId6"/>
-    <p:sldId id="272" r:id="rId7"/>
-    <p:sldId id="273" r:id="rId8"/>
-    <p:sldId id="274" r:id="rId9"/>
-    <p:sldId id="265" r:id="rId10"/>
+    <p:sldId id="275" r:id="rId5"/>
+    <p:sldId id="267" r:id="rId6"/>
+    <p:sldId id="270" r:id="rId7"/>
+    <p:sldId id="272" r:id="rId8"/>
+    <p:sldId id="273" r:id="rId9"/>
+    <p:sldId id="274" r:id="rId10"/>
+    <p:sldId id="265" r:id="rId11"/>
   </p:sldIdLst>
   <p:sldSz cx="12192000" cy="6858000"/>
   <p:notesSz cx="6858000" cy="9144000"/>
@@ -530,7 +531,7 @@
           <a:p>
             <a:fld id="{5FE97E66-812A-4864-A707-4D377C761408}" type="datetimeFigureOut">
               <a:rPr lang="en-US" smtClean="0"/>
-              <a:t>1/20/2023</a:t>
+              <a:t>1/24/2023</a:t>
             </a:fld>
             <a:endParaRPr lang="en-US"/>
           </a:p>
@@ -728,7 +729,7 @@
           <a:p>
             <a:fld id="{5FE97E66-812A-4864-A707-4D377C761408}" type="datetimeFigureOut">
               <a:rPr lang="en-US" smtClean="0"/>
-              <a:t>1/20/2023</a:t>
+              <a:t>1/24/2023</a:t>
             </a:fld>
             <a:endParaRPr lang="en-US"/>
           </a:p>
@@ -936,7 +937,7 @@
           <a:p>
             <a:fld id="{5FE97E66-812A-4864-A707-4D377C761408}" type="datetimeFigureOut">
               <a:rPr lang="en-US" smtClean="0"/>
-              <a:t>1/20/2023</a:t>
+              <a:t>1/24/2023</a:t>
             </a:fld>
             <a:endParaRPr lang="en-US"/>
           </a:p>
@@ -1134,7 +1135,7 @@
           <a:p>
             <a:fld id="{5FE97E66-812A-4864-A707-4D377C761408}" type="datetimeFigureOut">
               <a:rPr lang="en-US" smtClean="0"/>
-              <a:t>1/20/2023</a:t>
+              <a:t>1/24/2023</a:t>
             </a:fld>
             <a:endParaRPr lang="en-US"/>
           </a:p>
@@ -1409,7 +1410,7 @@
           <a:p>
             <a:fld id="{5FE97E66-812A-4864-A707-4D377C761408}" type="datetimeFigureOut">
               <a:rPr lang="en-US" smtClean="0"/>
-              <a:t>1/20/2023</a:t>
+              <a:t>1/24/2023</a:t>
             </a:fld>
             <a:endParaRPr lang="en-US"/>
           </a:p>
@@ -1674,7 +1675,7 @@
           <a:p>
             <a:fld id="{5FE97E66-812A-4864-A707-4D377C761408}" type="datetimeFigureOut">
               <a:rPr lang="en-US" smtClean="0"/>
-              <a:t>1/20/2023</a:t>
+              <a:t>1/24/2023</a:t>
             </a:fld>
             <a:endParaRPr lang="en-US"/>
           </a:p>
@@ -2086,7 +2087,7 @@
           <a:p>
             <a:fld id="{5FE97E66-812A-4864-A707-4D377C761408}" type="datetimeFigureOut">
               <a:rPr lang="en-US" smtClean="0"/>
-              <a:t>1/20/2023</a:t>
+              <a:t>1/24/2023</a:t>
             </a:fld>
             <a:endParaRPr lang="en-US"/>
           </a:p>
@@ -2227,7 +2228,7 @@
           <a:p>
             <a:fld id="{5FE97E66-812A-4864-A707-4D377C761408}" type="datetimeFigureOut">
               <a:rPr lang="en-US" smtClean="0"/>
-              <a:t>1/20/2023</a:t>
+              <a:t>1/24/2023</a:t>
             </a:fld>
             <a:endParaRPr lang="en-US"/>
           </a:p>
@@ -2340,7 +2341,7 @@
           <a:p>
             <a:fld id="{5FE97E66-812A-4864-A707-4D377C761408}" type="datetimeFigureOut">
               <a:rPr lang="en-US" smtClean="0"/>
-              <a:t>1/20/2023</a:t>
+              <a:t>1/24/2023</a:t>
             </a:fld>
             <a:endParaRPr lang="en-US"/>
           </a:p>
@@ -2651,7 +2652,7 @@
           <a:p>
             <a:fld id="{5FE97E66-812A-4864-A707-4D377C761408}" type="datetimeFigureOut">
               <a:rPr lang="en-US" smtClean="0"/>
-              <a:t>1/20/2023</a:t>
+              <a:t>1/24/2023</a:t>
             </a:fld>
             <a:endParaRPr lang="en-US"/>
           </a:p>
@@ -2939,7 +2940,7 @@
           <a:p>
             <a:fld id="{5FE97E66-812A-4864-A707-4D377C761408}" type="datetimeFigureOut">
               <a:rPr lang="en-US" smtClean="0"/>
-              <a:t>1/20/2023</a:t>
+              <a:t>1/24/2023</a:t>
             </a:fld>
             <a:endParaRPr lang="en-US"/>
           </a:p>
@@ -3180,7 +3181,7 @@
           <a:p>
             <a:fld id="{5FE97E66-812A-4864-A707-4D377C761408}" type="datetimeFigureOut">
               <a:rPr lang="en-US" smtClean="0"/>
-              <a:t>1/20/2023</a:t>
+              <a:t>1/24/2023</a:t>
             </a:fld>
             <a:endParaRPr lang="en-US"/>
           </a:p>
@@ -3663,6 +3664,510 @@
 </p:sld>
 </file>
 
+<file path=ppt/slides/slide10.xml><?xml version="1.0" encoding="utf-8"?>
+<p:sld xmlns:a="http://schemas.openxmlformats.org/drawingml/2006/main" xmlns:r="http://schemas.openxmlformats.org/officeDocument/2006/relationships" xmlns:p="http://schemas.openxmlformats.org/presentationml/2006/main">
+  <p:cSld>
+    <p:spTree>
+      <p:nvGrpSpPr>
+        <p:cNvPr id="1" name=""/>
+        <p:cNvGrpSpPr/>
+        <p:nvPr/>
+      </p:nvGrpSpPr>
+      <p:grpSpPr>
+        <a:xfrm>
+          <a:off x="0" y="0"/>
+          <a:ext cx="0" cy="0"/>
+          <a:chOff x="0" y="0"/>
+          <a:chExt cx="0" cy="0"/>
+        </a:xfrm>
+      </p:grpSpPr>
+      <p:sp>
+        <p:nvSpPr>
+          <p:cNvPr id="2" name="Title 1">
+            <a:extLst>
+              <a:ext uri="{FF2B5EF4-FFF2-40B4-BE49-F238E27FC236}">
+                <a16:creationId xmlns:a16="http://schemas.microsoft.com/office/drawing/2014/main" id="{D8A007DE-64F1-498B-BB5C-EE0FC11B39B7}"/>
+              </a:ext>
+            </a:extLst>
+          </p:cNvPr>
+          <p:cNvSpPr>
+            <a:spLocks noGrp="1"/>
+          </p:cNvSpPr>
+          <p:nvPr>
+            <p:ph type="title"/>
+          </p:nvPr>
+        </p:nvSpPr>
+        <p:spPr/>
+        <p:txBody>
+          <a:bodyPr/>
+          <a:lstStyle/>
+          <a:p>
+            <a:r>
+              <a:rPr lang="en-US" dirty="0"/>
+              <a:t>This week</a:t>
+            </a:r>
+          </a:p>
+        </p:txBody>
+      </p:sp>
+      <p:sp>
+        <p:nvSpPr>
+          <p:cNvPr id="3" name="Content Placeholder 2">
+            <a:extLst>
+              <a:ext uri="{FF2B5EF4-FFF2-40B4-BE49-F238E27FC236}">
+                <a16:creationId xmlns:a16="http://schemas.microsoft.com/office/drawing/2014/main" id="{45EC885E-E553-4463-BA3B-228F45C073F1}"/>
+              </a:ext>
+            </a:extLst>
+          </p:cNvPr>
+          <p:cNvSpPr>
+            <a:spLocks noGrp="1"/>
+          </p:cNvSpPr>
+          <p:nvPr>
+            <p:ph idx="1"/>
+          </p:nvPr>
+        </p:nvSpPr>
+        <p:spPr/>
+        <p:txBody>
+          <a:bodyPr/>
+          <a:lstStyle/>
+          <a:p>
+            <a:r>
+              <a:rPr lang="en-US" dirty="0"/>
+              <a:t>Continuing CIW as normal</a:t>
+            </a:r>
+          </a:p>
+          <a:p>
+            <a:r>
+              <a:rPr lang="en-US" dirty="0"/>
+              <a:t>Ok, seriously the Exam will be graded this week.</a:t>
+            </a:r>
+          </a:p>
+          <a:p>
+            <a:pPr lvl="1"/>
+            <a:r>
+              <a:rPr lang="en-US" dirty="0"/>
+              <a:t>I had to work some stuff out with support to get your individual scores</a:t>
+            </a:r>
+          </a:p>
+          <a:p>
+            <a:r>
+              <a:rPr lang="en-US" dirty="0"/>
+              <a:t>TOURS! Ask for passes if you want to do tours this week.</a:t>
+            </a:r>
+          </a:p>
+          <a:p>
+            <a:r>
+              <a:rPr lang="en-US" dirty="0"/>
+              <a:t>Stop putting the hole punch on the wrong shelf</a:t>
+            </a:r>
+          </a:p>
+          <a:p>
+            <a:pPr lvl="1"/>
+            <a:r>
+              <a:rPr lang="en-US" dirty="0"/>
+              <a:t>Put things back where you found them.</a:t>
+            </a:r>
+          </a:p>
+          <a:p>
+            <a:r>
+              <a:rPr lang="en-US" dirty="0"/>
+              <a:t>New Reflections</a:t>
+            </a:r>
+          </a:p>
+          <a:p>
+            <a:pPr lvl="1"/>
+            <a:r>
+              <a:rPr lang="en-US" b="1" i="1" u="sng" dirty="0" err="1"/>
+              <a:t>ReAd</a:t>
+            </a:r>
+            <a:r>
+              <a:rPr lang="en-US" b="1" i="1" u="sng" dirty="0"/>
+              <a:t> </a:t>
+            </a:r>
+            <a:r>
+              <a:rPr lang="en-US" b="1" i="1" u="sng" dirty="0" err="1"/>
+              <a:t>ThE</a:t>
+            </a:r>
+            <a:r>
+              <a:rPr lang="en-US" b="1" i="1" u="sng" dirty="0"/>
+              <a:t> </a:t>
+            </a:r>
+            <a:r>
+              <a:rPr lang="en-US" b="1" i="1" u="sng" dirty="0" err="1"/>
+              <a:t>dOcPaC</a:t>
+            </a:r>
+            <a:r>
+              <a:rPr lang="en-US" b="1" i="1" u="sng" dirty="0"/>
+              <a:t>!@</a:t>
+            </a:r>
+          </a:p>
+        </p:txBody>
+      </p:sp>
+    </p:spTree>
+    <p:extLst>
+      <p:ext uri="{BB962C8B-B14F-4D97-AF65-F5344CB8AC3E}">
+        <p14:creationId xmlns:p14="http://schemas.microsoft.com/office/powerpoint/2010/main" val="3186301414"/>
+      </p:ext>
+    </p:extLst>
+  </p:cSld>
+  <p:clrMapOvr>
+    <a:masterClrMapping/>
+  </p:clrMapOvr>
+  <p:timing>
+    <p:tnLst>
+      <p:par>
+        <p:cTn id="1" dur="indefinite" restart="never" nodeType="tmRoot">
+          <p:childTnLst>
+            <p:seq concurrent="1" nextAc="seek">
+              <p:cTn id="2" dur="indefinite" nodeType="mainSeq">
+                <p:childTnLst>
+                  <p:par>
+                    <p:cTn id="3" fill="hold">
+                      <p:stCondLst>
+                        <p:cond delay="indefinite"/>
+                      </p:stCondLst>
+                      <p:childTnLst>
+                        <p:par>
+                          <p:cTn id="4" fill="hold">
+                            <p:stCondLst>
+                              <p:cond delay="0"/>
+                            </p:stCondLst>
+                            <p:childTnLst>
+                              <p:par>
+                                <p:cTn id="5" presetID="1" presetClass="entr" presetSubtype="0" fill="hold" grpId="0" nodeType="clickEffect">
+                                  <p:stCondLst>
+                                    <p:cond delay="0"/>
+                                  </p:stCondLst>
+                                  <p:childTnLst>
+                                    <p:set>
+                                      <p:cBhvr>
+                                        <p:cTn id="6" dur="1" fill="hold">
+                                          <p:stCondLst>
+                                            <p:cond delay="0"/>
+                                          </p:stCondLst>
+                                        </p:cTn>
+                                        <p:tgtEl>
+                                          <p:spTgt spid="3">
+                                            <p:txEl>
+                                              <p:pRg st="0" end="0"/>
+                                            </p:txEl>
+                                          </p:spTgt>
+                                        </p:tgtEl>
+                                        <p:attrNameLst>
+                                          <p:attrName>style.visibility</p:attrName>
+                                        </p:attrNameLst>
+                                      </p:cBhvr>
+                                      <p:to>
+                                        <p:strVal val="visible"/>
+                                      </p:to>
+                                    </p:set>
+                                  </p:childTnLst>
+                                </p:cTn>
+                              </p:par>
+                              <p:par>
+                                <p:cTn id="7" presetID="1" presetClass="entr" presetSubtype="0" fill="hold" grpId="0" nodeType="withEffect">
+                                  <p:stCondLst>
+                                    <p:cond delay="0"/>
+                                  </p:stCondLst>
+                                  <p:childTnLst>
+                                    <p:set>
+                                      <p:cBhvr>
+                                        <p:cTn id="8" dur="1" fill="hold">
+                                          <p:stCondLst>
+                                            <p:cond delay="0"/>
+                                          </p:stCondLst>
+                                        </p:cTn>
+                                        <p:tgtEl>
+                                          <p:spTgt spid="3">
+                                            <p:txEl>
+                                              <p:pRg st="1" end="1"/>
+                                            </p:txEl>
+                                          </p:spTgt>
+                                        </p:tgtEl>
+                                        <p:attrNameLst>
+                                          <p:attrName>style.visibility</p:attrName>
+                                        </p:attrNameLst>
+                                      </p:cBhvr>
+                                      <p:to>
+                                        <p:strVal val="visible"/>
+                                      </p:to>
+                                    </p:set>
+                                  </p:childTnLst>
+                                </p:cTn>
+                              </p:par>
+                              <p:par>
+                                <p:cTn id="9" presetID="1" presetClass="entr" presetSubtype="0" fill="hold" grpId="0" nodeType="withEffect">
+                                  <p:stCondLst>
+                                    <p:cond delay="0"/>
+                                  </p:stCondLst>
+                                  <p:childTnLst>
+                                    <p:set>
+                                      <p:cBhvr>
+                                        <p:cTn id="10" dur="1" fill="hold">
+                                          <p:stCondLst>
+                                            <p:cond delay="0"/>
+                                          </p:stCondLst>
+                                        </p:cTn>
+                                        <p:tgtEl>
+                                          <p:spTgt spid="3">
+                                            <p:txEl>
+                                              <p:pRg st="2" end="2"/>
+                                            </p:txEl>
+                                          </p:spTgt>
+                                        </p:tgtEl>
+                                        <p:attrNameLst>
+                                          <p:attrName>style.visibility</p:attrName>
+                                        </p:attrNameLst>
+                                      </p:cBhvr>
+                                      <p:to>
+                                        <p:strVal val="visible"/>
+                                      </p:to>
+                                    </p:set>
+                                  </p:childTnLst>
+                                </p:cTn>
+                              </p:par>
+                            </p:childTnLst>
+                          </p:cTn>
+                        </p:par>
+                      </p:childTnLst>
+                    </p:cTn>
+                  </p:par>
+                  <p:par>
+                    <p:cTn id="11" fill="hold">
+                      <p:stCondLst>
+                        <p:cond delay="indefinite"/>
+                      </p:stCondLst>
+                      <p:childTnLst>
+                        <p:par>
+                          <p:cTn id="12" fill="hold">
+                            <p:stCondLst>
+                              <p:cond delay="0"/>
+                            </p:stCondLst>
+                            <p:childTnLst>
+                              <p:par>
+                                <p:cTn id="13" presetID="1" presetClass="entr" presetSubtype="0" fill="hold" grpId="0" nodeType="clickEffect">
+                                  <p:stCondLst>
+                                    <p:cond delay="0"/>
+                                  </p:stCondLst>
+                                  <p:childTnLst>
+                                    <p:set>
+                                      <p:cBhvr>
+                                        <p:cTn id="14" dur="1" fill="hold">
+                                          <p:stCondLst>
+                                            <p:cond delay="0"/>
+                                          </p:stCondLst>
+                                        </p:cTn>
+                                        <p:tgtEl>
+                                          <p:spTgt spid="3">
+                                            <p:txEl>
+                                              <p:pRg st="3" end="3"/>
+                                            </p:txEl>
+                                          </p:spTgt>
+                                        </p:tgtEl>
+                                        <p:attrNameLst>
+                                          <p:attrName>style.visibility</p:attrName>
+                                        </p:attrNameLst>
+                                      </p:cBhvr>
+                                      <p:to>
+                                        <p:strVal val="visible"/>
+                                      </p:to>
+                                    </p:set>
+                                  </p:childTnLst>
+                                </p:cTn>
+                              </p:par>
+                            </p:childTnLst>
+                          </p:cTn>
+                        </p:par>
+                      </p:childTnLst>
+                    </p:cTn>
+                  </p:par>
+                  <p:par>
+                    <p:cTn id="15" fill="hold">
+                      <p:stCondLst>
+                        <p:cond delay="indefinite"/>
+                      </p:stCondLst>
+                      <p:childTnLst>
+                        <p:par>
+                          <p:cTn id="16" fill="hold">
+                            <p:stCondLst>
+                              <p:cond delay="0"/>
+                            </p:stCondLst>
+                            <p:childTnLst>
+                              <p:par>
+                                <p:cTn id="17" presetID="1" presetClass="entr" presetSubtype="0" fill="hold" grpId="0" nodeType="clickEffect">
+                                  <p:stCondLst>
+                                    <p:cond delay="0"/>
+                                  </p:stCondLst>
+                                  <p:childTnLst>
+                                    <p:set>
+                                      <p:cBhvr>
+                                        <p:cTn id="18" dur="1" fill="hold">
+                                          <p:stCondLst>
+                                            <p:cond delay="0"/>
+                                          </p:stCondLst>
+                                        </p:cTn>
+                                        <p:tgtEl>
+                                          <p:spTgt spid="3">
+                                            <p:txEl>
+                                              <p:pRg st="4" end="4"/>
+                                            </p:txEl>
+                                          </p:spTgt>
+                                        </p:tgtEl>
+                                        <p:attrNameLst>
+                                          <p:attrName>style.visibility</p:attrName>
+                                        </p:attrNameLst>
+                                      </p:cBhvr>
+                                      <p:to>
+                                        <p:strVal val="visible"/>
+                                      </p:to>
+                                    </p:set>
+                                  </p:childTnLst>
+                                </p:cTn>
+                              </p:par>
+                              <p:par>
+                                <p:cTn id="19" presetID="1" presetClass="entr" presetSubtype="0" fill="hold" grpId="0" nodeType="withEffect">
+                                  <p:stCondLst>
+                                    <p:cond delay="0"/>
+                                  </p:stCondLst>
+                                  <p:childTnLst>
+                                    <p:set>
+                                      <p:cBhvr>
+                                        <p:cTn id="20" dur="1" fill="hold">
+                                          <p:stCondLst>
+                                            <p:cond delay="0"/>
+                                          </p:stCondLst>
+                                        </p:cTn>
+                                        <p:tgtEl>
+                                          <p:spTgt spid="3">
+                                            <p:txEl>
+                                              <p:pRg st="5" end="5"/>
+                                            </p:txEl>
+                                          </p:spTgt>
+                                        </p:tgtEl>
+                                        <p:attrNameLst>
+                                          <p:attrName>style.visibility</p:attrName>
+                                        </p:attrNameLst>
+                                      </p:cBhvr>
+                                      <p:to>
+                                        <p:strVal val="visible"/>
+                                      </p:to>
+                                    </p:set>
+                                  </p:childTnLst>
+                                </p:cTn>
+                              </p:par>
+                            </p:childTnLst>
+                          </p:cTn>
+                        </p:par>
+                      </p:childTnLst>
+                    </p:cTn>
+                  </p:par>
+                  <p:par>
+                    <p:cTn id="21" fill="hold">
+                      <p:stCondLst>
+                        <p:cond delay="indefinite"/>
+                      </p:stCondLst>
+                      <p:childTnLst>
+                        <p:par>
+                          <p:cTn id="22" fill="hold">
+                            <p:stCondLst>
+                              <p:cond delay="0"/>
+                            </p:stCondLst>
+                            <p:childTnLst>
+                              <p:par>
+                                <p:cTn id="23" presetID="1" presetClass="entr" presetSubtype="0" fill="hold" grpId="0" nodeType="clickEffect">
+                                  <p:stCondLst>
+                                    <p:cond delay="0"/>
+                                  </p:stCondLst>
+                                  <p:childTnLst>
+                                    <p:set>
+                                      <p:cBhvr>
+                                        <p:cTn id="24" dur="1" fill="hold">
+                                          <p:stCondLst>
+                                            <p:cond delay="0"/>
+                                          </p:stCondLst>
+                                        </p:cTn>
+                                        <p:tgtEl>
+                                          <p:spTgt spid="3">
+                                            <p:txEl>
+                                              <p:pRg st="6" end="6"/>
+                                            </p:txEl>
+                                          </p:spTgt>
+                                        </p:tgtEl>
+                                        <p:attrNameLst>
+                                          <p:attrName>style.visibility</p:attrName>
+                                        </p:attrNameLst>
+                                      </p:cBhvr>
+                                      <p:to>
+                                        <p:strVal val="visible"/>
+                                      </p:to>
+                                    </p:set>
+                                  </p:childTnLst>
+                                </p:cTn>
+                              </p:par>
+                              <p:par>
+                                <p:cTn id="25" presetID="1" presetClass="entr" presetSubtype="0" fill="hold" grpId="0" nodeType="withEffect">
+                                  <p:stCondLst>
+                                    <p:cond delay="0"/>
+                                  </p:stCondLst>
+                                  <p:childTnLst>
+                                    <p:set>
+                                      <p:cBhvr>
+                                        <p:cTn id="26" dur="1" fill="hold">
+                                          <p:stCondLst>
+                                            <p:cond delay="0"/>
+                                          </p:stCondLst>
+                                        </p:cTn>
+                                        <p:tgtEl>
+                                          <p:spTgt spid="3">
+                                            <p:txEl>
+                                              <p:pRg st="7" end="7"/>
+                                            </p:txEl>
+                                          </p:spTgt>
+                                        </p:tgtEl>
+                                        <p:attrNameLst>
+                                          <p:attrName>style.visibility</p:attrName>
+                                        </p:attrNameLst>
+                                      </p:cBhvr>
+                                      <p:to>
+                                        <p:strVal val="visible"/>
+                                      </p:to>
+                                    </p:set>
+                                  </p:childTnLst>
+                                </p:cTn>
+                              </p:par>
+                            </p:childTnLst>
+                          </p:cTn>
+                        </p:par>
+                      </p:childTnLst>
+                    </p:cTn>
+                  </p:par>
+                </p:childTnLst>
+              </p:cTn>
+              <p:prevCondLst>
+                <p:cond evt="onPrev" delay="0">
+                  <p:tgtEl>
+                    <p:sldTgt/>
+                  </p:tgtEl>
+                </p:cond>
+              </p:prevCondLst>
+              <p:nextCondLst>
+                <p:cond evt="onNext" delay="0">
+                  <p:tgtEl>
+                    <p:sldTgt/>
+                  </p:tgtEl>
+                </p:cond>
+              </p:nextCondLst>
+            </p:seq>
+          </p:childTnLst>
+        </p:cTn>
+      </p:par>
+    </p:tnLst>
+    <p:bldLst>
+      <p:bldP spid="3" grpId="0" build="p"/>
+    </p:bldLst>
+  </p:timing>
+</p:sld>
+</file>
+
 <file path=ppt/slides/slide2.xml><?xml version="1.0" encoding="utf-8"?>
 <p:sld xmlns:a="http://schemas.openxmlformats.org/drawingml/2006/main" xmlns:r="http://schemas.openxmlformats.org/officeDocument/2006/relationships" xmlns:p="http://schemas.openxmlformats.org/presentationml/2006/main">
   <p:cSld>
@@ -3731,7 +4236,10 @@
           </a:bodyPr>
           <a:lstStyle/>
           <a:p>
-            <a:endParaRPr lang="en-US" dirty="0"/>
+            <a:r>
+              <a:rPr lang="en-US" dirty="0"/>
+              <a:t>Alex Plitt – 100 days!</a:t>
+            </a:r>
           </a:p>
         </p:txBody>
       </p:sp>
@@ -3766,15 +4274,10 @@
                             </p:stCondLst>
                             <p:childTnLst>
                               <p:par>
-                                <p:cTn id="5" presetID="1" presetClass="entr" presetSubtype="0" fill="hold" grpId="0" nodeType="clickEffect" nodePh="1">
+                                <p:cTn id="5" presetID="1" presetClass="entr" presetSubtype="0" fill="hold" grpId="0" nodeType="clickEffect">
                                   <p:stCondLst>
                                     <p:cond delay="0"/>
                                   </p:stCondLst>
-                                  <p:endCondLst>
-                                    <p:cond evt="begin" delay="0">
-                                      <p:tn val="5"/>
-                                    </p:cond>
-                                  </p:endCondLst>
                                   <p:childTnLst>
                                     <p:set>
                                       <p:cBhvr>
@@ -4002,6 +4505,439 @@
   <p:clrMapOvr>
     <a:masterClrMapping/>
   </p:clrMapOvr>
+  <p:timing>
+    <p:tnLst>
+      <p:par>
+        <p:cTn id="1" dur="indefinite" restart="never" nodeType="tmRoot">
+          <p:childTnLst>
+            <p:seq concurrent="1" nextAc="seek">
+              <p:cTn id="2" dur="indefinite" nodeType="mainSeq">
+                <p:childTnLst>
+                  <p:par>
+                    <p:cTn id="3" fill="hold">
+                      <p:stCondLst>
+                        <p:cond delay="indefinite"/>
+                      </p:stCondLst>
+                      <p:childTnLst>
+                        <p:par>
+                          <p:cTn id="4" fill="hold">
+                            <p:stCondLst>
+                              <p:cond delay="0"/>
+                            </p:stCondLst>
+                            <p:childTnLst>
+                              <p:par>
+                                <p:cTn id="5" presetID="1" presetClass="entr" presetSubtype="0" fill="hold" grpId="0" nodeType="clickEffect">
+                                  <p:stCondLst>
+                                    <p:cond delay="0"/>
+                                  </p:stCondLst>
+                                  <p:childTnLst>
+                                    <p:set>
+                                      <p:cBhvr>
+                                        <p:cTn id="6" dur="1" fill="hold">
+                                          <p:stCondLst>
+                                            <p:cond delay="0"/>
+                                          </p:stCondLst>
+                                        </p:cTn>
+                                        <p:tgtEl>
+                                          <p:spTgt spid="3">
+                                            <p:txEl>
+                                              <p:pRg st="1" end="1"/>
+                                            </p:txEl>
+                                          </p:spTgt>
+                                        </p:tgtEl>
+                                        <p:attrNameLst>
+                                          <p:attrName>style.visibility</p:attrName>
+                                        </p:attrNameLst>
+                                      </p:cBhvr>
+                                      <p:to>
+                                        <p:strVal val="visible"/>
+                                      </p:to>
+                                    </p:set>
+                                  </p:childTnLst>
+                                </p:cTn>
+                              </p:par>
+                              <p:par>
+                                <p:cTn id="7" presetID="1" presetClass="entr" presetSubtype="0" fill="hold" grpId="0" nodeType="withEffect">
+                                  <p:stCondLst>
+                                    <p:cond delay="0"/>
+                                  </p:stCondLst>
+                                  <p:childTnLst>
+                                    <p:set>
+                                      <p:cBhvr>
+                                        <p:cTn id="8" dur="1" fill="hold">
+                                          <p:stCondLst>
+                                            <p:cond delay="0"/>
+                                          </p:stCondLst>
+                                        </p:cTn>
+                                        <p:tgtEl>
+                                          <p:spTgt spid="3">
+                                            <p:txEl>
+                                              <p:pRg st="2" end="2"/>
+                                            </p:txEl>
+                                          </p:spTgt>
+                                        </p:tgtEl>
+                                        <p:attrNameLst>
+                                          <p:attrName>style.visibility</p:attrName>
+                                        </p:attrNameLst>
+                                      </p:cBhvr>
+                                      <p:to>
+                                        <p:strVal val="visible"/>
+                                      </p:to>
+                                    </p:set>
+                                  </p:childTnLst>
+                                </p:cTn>
+                              </p:par>
+                            </p:childTnLst>
+                          </p:cTn>
+                        </p:par>
+                      </p:childTnLst>
+                    </p:cTn>
+                  </p:par>
+                  <p:par>
+                    <p:cTn id="9" fill="hold">
+                      <p:stCondLst>
+                        <p:cond delay="indefinite"/>
+                      </p:stCondLst>
+                      <p:childTnLst>
+                        <p:par>
+                          <p:cTn id="10" fill="hold">
+                            <p:stCondLst>
+                              <p:cond delay="0"/>
+                            </p:stCondLst>
+                            <p:childTnLst>
+                              <p:par>
+                                <p:cTn id="11" presetID="1" presetClass="entr" presetSubtype="0" fill="hold" grpId="0" nodeType="clickEffect">
+                                  <p:stCondLst>
+                                    <p:cond delay="0"/>
+                                  </p:stCondLst>
+                                  <p:childTnLst>
+                                    <p:set>
+                                      <p:cBhvr>
+                                        <p:cTn id="12" dur="1" fill="hold">
+                                          <p:stCondLst>
+                                            <p:cond delay="0"/>
+                                          </p:stCondLst>
+                                        </p:cTn>
+                                        <p:tgtEl>
+                                          <p:spTgt spid="3">
+                                            <p:txEl>
+                                              <p:pRg st="3" end="3"/>
+                                            </p:txEl>
+                                          </p:spTgt>
+                                        </p:tgtEl>
+                                        <p:attrNameLst>
+                                          <p:attrName>style.visibility</p:attrName>
+                                        </p:attrNameLst>
+                                      </p:cBhvr>
+                                      <p:to>
+                                        <p:strVal val="visible"/>
+                                      </p:to>
+                                    </p:set>
+                                  </p:childTnLst>
+                                </p:cTn>
+                              </p:par>
+                              <p:par>
+                                <p:cTn id="13" presetID="1" presetClass="entr" presetSubtype="0" fill="hold" grpId="0" nodeType="withEffect">
+                                  <p:stCondLst>
+                                    <p:cond delay="0"/>
+                                  </p:stCondLst>
+                                  <p:childTnLst>
+                                    <p:set>
+                                      <p:cBhvr>
+                                        <p:cTn id="14" dur="1" fill="hold">
+                                          <p:stCondLst>
+                                            <p:cond delay="0"/>
+                                          </p:stCondLst>
+                                        </p:cTn>
+                                        <p:tgtEl>
+                                          <p:spTgt spid="3">
+                                            <p:txEl>
+                                              <p:pRg st="4" end="4"/>
+                                            </p:txEl>
+                                          </p:spTgt>
+                                        </p:tgtEl>
+                                        <p:attrNameLst>
+                                          <p:attrName>style.visibility</p:attrName>
+                                        </p:attrNameLst>
+                                      </p:cBhvr>
+                                      <p:to>
+                                        <p:strVal val="visible"/>
+                                      </p:to>
+                                    </p:set>
+                                  </p:childTnLst>
+                                </p:cTn>
+                              </p:par>
+                            </p:childTnLst>
+                          </p:cTn>
+                        </p:par>
+                      </p:childTnLst>
+                    </p:cTn>
+                  </p:par>
+                  <p:par>
+                    <p:cTn id="15" fill="hold">
+                      <p:stCondLst>
+                        <p:cond delay="indefinite"/>
+                      </p:stCondLst>
+                      <p:childTnLst>
+                        <p:par>
+                          <p:cTn id="16" fill="hold">
+                            <p:stCondLst>
+                              <p:cond delay="0"/>
+                            </p:stCondLst>
+                            <p:childTnLst>
+                              <p:par>
+                                <p:cTn id="17" presetID="1" presetClass="entr" presetSubtype="0" fill="hold" grpId="0" nodeType="clickEffect">
+                                  <p:stCondLst>
+                                    <p:cond delay="0"/>
+                                  </p:stCondLst>
+                                  <p:childTnLst>
+                                    <p:set>
+                                      <p:cBhvr>
+                                        <p:cTn id="18" dur="1" fill="hold">
+                                          <p:stCondLst>
+                                            <p:cond delay="0"/>
+                                          </p:stCondLst>
+                                        </p:cTn>
+                                        <p:tgtEl>
+                                          <p:spTgt spid="3">
+                                            <p:txEl>
+                                              <p:pRg st="5" end="5"/>
+                                            </p:txEl>
+                                          </p:spTgt>
+                                        </p:tgtEl>
+                                        <p:attrNameLst>
+                                          <p:attrName>style.visibility</p:attrName>
+                                        </p:attrNameLst>
+                                      </p:cBhvr>
+                                      <p:to>
+                                        <p:strVal val="visible"/>
+                                      </p:to>
+                                    </p:set>
+                                  </p:childTnLst>
+                                </p:cTn>
+                              </p:par>
+                              <p:par>
+                                <p:cTn id="19" presetID="1" presetClass="entr" presetSubtype="0" fill="hold" grpId="0" nodeType="withEffect">
+                                  <p:stCondLst>
+                                    <p:cond delay="0"/>
+                                  </p:stCondLst>
+                                  <p:childTnLst>
+                                    <p:set>
+                                      <p:cBhvr>
+                                        <p:cTn id="20" dur="1" fill="hold">
+                                          <p:stCondLst>
+                                            <p:cond delay="0"/>
+                                          </p:stCondLst>
+                                        </p:cTn>
+                                        <p:tgtEl>
+                                          <p:spTgt spid="3">
+                                            <p:txEl>
+                                              <p:pRg st="6" end="6"/>
+                                            </p:txEl>
+                                          </p:spTgt>
+                                        </p:tgtEl>
+                                        <p:attrNameLst>
+                                          <p:attrName>style.visibility</p:attrName>
+                                        </p:attrNameLst>
+                                      </p:cBhvr>
+                                      <p:to>
+                                        <p:strVal val="visible"/>
+                                      </p:to>
+                                    </p:set>
+                                  </p:childTnLst>
+                                </p:cTn>
+                              </p:par>
+                            </p:childTnLst>
+                          </p:cTn>
+                        </p:par>
+                      </p:childTnLst>
+                    </p:cTn>
+                  </p:par>
+                  <p:par>
+                    <p:cTn id="21" fill="hold">
+                      <p:stCondLst>
+                        <p:cond delay="indefinite"/>
+                      </p:stCondLst>
+                      <p:childTnLst>
+                        <p:par>
+                          <p:cTn id="22" fill="hold">
+                            <p:stCondLst>
+                              <p:cond delay="0"/>
+                            </p:stCondLst>
+                            <p:childTnLst>
+                              <p:par>
+                                <p:cTn id="23" presetID="1" presetClass="entr" presetSubtype="0" fill="hold" grpId="0" nodeType="clickEffect">
+                                  <p:stCondLst>
+                                    <p:cond delay="0"/>
+                                  </p:stCondLst>
+                                  <p:childTnLst>
+                                    <p:set>
+                                      <p:cBhvr>
+                                        <p:cTn id="24" dur="1" fill="hold">
+                                          <p:stCondLst>
+                                            <p:cond delay="0"/>
+                                          </p:stCondLst>
+                                        </p:cTn>
+                                        <p:tgtEl>
+                                          <p:spTgt spid="3">
+                                            <p:txEl>
+                                              <p:pRg st="7" end="7"/>
+                                            </p:txEl>
+                                          </p:spTgt>
+                                        </p:tgtEl>
+                                        <p:attrNameLst>
+                                          <p:attrName>style.visibility</p:attrName>
+                                        </p:attrNameLst>
+                                      </p:cBhvr>
+                                      <p:to>
+                                        <p:strVal val="visible"/>
+                                      </p:to>
+                                    </p:set>
+                                  </p:childTnLst>
+                                </p:cTn>
+                              </p:par>
+                              <p:par>
+                                <p:cTn id="25" presetID="1" presetClass="entr" presetSubtype="0" fill="hold" grpId="0" nodeType="withEffect">
+                                  <p:stCondLst>
+                                    <p:cond delay="0"/>
+                                  </p:stCondLst>
+                                  <p:childTnLst>
+                                    <p:set>
+                                      <p:cBhvr>
+                                        <p:cTn id="26" dur="1" fill="hold">
+                                          <p:stCondLst>
+                                            <p:cond delay="0"/>
+                                          </p:stCondLst>
+                                        </p:cTn>
+                                        <p:tgtEl>
+                                          <p:spTgt spid="3">
+                                            <p:txEl>
+                                              <p:pRg st="8" end="8"/>
+                                            </p:txEl>
+                                          </p:spTgt>
+                                        </p:tgtEl>
+                                        <p:attrNameLst>
+                                          <p:attrName>style.visibility</p:attrName>
+                                        </p:attrNameLst>
+                                      </p:cBhvr>
+                                      <p:to>
+                                        <p:strVal val="visible"/>
+                                      </p:to>
+                                    </p:set>
+                                  </p:childTnLst>
+                                </p:cTn>
+                              </p:par>
+                            </p:childTnLst>
+                          </p:cTn>
+                        </p:par>
+                      </p:childTnLst>
+                    </p:cTn>
+                  </p:par>
+                  <p:par>
+                    <p:cTn id="27" fill="hold">
+                      <p:stCondLst>
+                        <p:cond delay="indefinite"/>
+                      </p:stCondLst>
+                      <p:childTnLst>
+                        <p:par>
+                          <p:cTn id="28" fill="hold">
+                            <p:stCondLst>
+                              <p:cond delay="0"/>
+                            </p:stCondLst>
+                            <p:childTnLst>
+                              <p:par>
+                                <p:cTn id="29" presetID="1" presetClass="entr" presetSubtype="0" fill="hold" grpId="0" nodeType="clickEffect">
+                                  <p:stCondLst>
+                                    <p:cond delay="0"/>
+                                  </p:stCondLst>
+                                  <p:childTnLst>
+                                    <p:set>
+                                      <p:cBhvr>
+                                        <p:cTn id="30" dur="1" fill="hold">
+                                          <p:stCondLst>
+                                            <p:cond delay="0"/>
+                                          </p:stCondLst>
+                                        </p:cTn>
+                                        <p:tgtEl>
+                                          <p:spTgt spid="3">
+                                            <p:txEl>
+                                              <p:pRg st="9" end="9"/>
+                                            </p:txEl>
+                                          </p:spTgt>
+                                        </p:tgtEl>
+                                        <p:attrNameLst>
+                                          <p:attrName>style.visibility</p:attrName>
+                                        </p:attrNameLst>
+                                      </p:cBhvr>
+                                      <p:to>
+                                        <p:strVal val="visible"/>
+                                      </p:to>
+                                    </p:set>
+                                  </p:childTnLst>
+                                </p:cTn>
+                              </p:par>
+                              <p:par>
+                                <p:cTn id="31" presetID="1" presetClass="entr" presetSubtype="0" fill="hold" grpId="0" nodeType="withEffect">
+                                  <p:stCondLst>
+                                    <p:cond delay="0"/>
+                                  </p:stCondLst>
+                                  <p:childTnLst>
+                                    <p:set>
+                                      <p:cBhvr>
+                                        <p:cTn id="32" dur="1" fill="hold">
+                                          <p:stCondLst>
+                                            <p:cond delay="0"/>
+                                          </p:stCondLst>
+                                        </p:cTn>
+                                        <p:tgtEl>
+                                          <p:spTgt spid="3">
+                                            <p:txEl>
+                                              <p:pRg st="10" end="10"/>
+                                            </p:txEl>
+                                          </p:spTgt>
+                                        </p:tgtEl>
+                                        <p:attrNameLst>
+                                          <p:attrName>style.visibility</p:attrName>
+                                        </p:attrNameLst>
+                                      </p:cBhvr>
+                                      <p:to>
+                                        <p:strVal val="visible"/>
+                                      </p:to>
+                                    </p:set>
+                                  </p:childTnLst>
+                                </p:cTn>
+                              </p:par>
+                            </p:childTnLst>
+                          </p:cTn>
+                        </p:par>
+                      </p:childTnLst>
+                    </p:cTn>
+                  </p:par>
+                </p:childTnLst>
+              </p:cTn>
+              <p:prevCondLst>
+                <p:cond evt="onPrev" delay="0">
+                  <p:tgtEl>
+                    <p:sldTgt/>
+                  </p:tgtEl>
+                </p:cond>
+              </p:prevCondLst>
+              <p:nextCondLst>
+                <p:cond evt="onNext" delay="0">
+                  <p:tgtEl>
+                    <p:sldTgt/>
+                  </p:tgtEl>
+                </p:cond>
+              </p:nextCondLst>
+            </p:seq>
+          </p:childTnLst>
+        </p:cTn>
+      </p:par>
+    </p:tnLst>
+    <p:bldLst>
+      <p:bldP spid="3" grpId="0" build="p"/>
+    </p:bldLst>
+  </p:timing>
 </p:sld>
 </file>
 
@@ -4027,7 +4963,7 @@
           <p:cNvPr id="2" name="Title 1">
             <a:extLst>
               <a:ext uri="{FF2B5EF4-FFF2-40B4-BE49-F238E27FC236}">
-                <a16:creationId xmlns:a16="http://schemas.microsoft.com/office/drawing/2014/main" id="{8EFBF4C5-4293-48B0-AAC0-DA3C303B9543}"/>
+                <a16:creationId xmlns:a16="http://schemas.microsoft.com/office/drawing/2014/main" id="{221BB4D8-7495-4B39-9CF4-B8F16DB22E66}"/>
               </a:ext>
             </a:extLst>
           </p:cNvPr>
@@ -4045,7 +4981,7 @@
           <a:p>
             <a:r>
               <a:rPr lang="en-US" dirty="0"/>
-              <a:t>Chairs?</a:t>
+              <a:t>Perfect Attendance</a:t>
             </a:r>
           </a:p>
         </p:txBody>
@@ -4055,7 +4991,7 @@
           <p:cNvPr id="3" name="Content Placeholder 2">
             <a:extLst>
               <a:ext uri="{FF2B5EF4-FFF2-40B4-BE49-F238E27FC236}">
-                <a16:creationId xmlns:a16="http://schemas.microsoft.com/office/drawing/2014/main" id="{FA8BE998-E751-4B6A-8EFF-6B45B57C3FF2}"/>
+                <a16:creationId xmlns:a16="http://schemas.microsoft.com/office/drawing/2014/main" id="{EC9997E3-EA37-4E8B-A410-E11CF7DA6430}"/>
               </a:ext>
             </a:extLst>
           </p:cNvPr>
@@ -4071,20 +5007,445 @@
           <a:bodyPr/>
           <a:lstStyle/>
           <a:p>
+            <a:r>
+              <a:rPr lang="en-US" dirty="0"/>
+              <a:t>Carmen </a:t>
+            </a:r>
+            <a:r>
+              <a:rPr lang="en-US" dirty="0" err="1"/>
+              <a:t>Cedano</a:t>
+            </a:r>
             <a:endParaRPr lang="en-US" dirty="0"/>
+          </a:p>
+          <a:p>
+            <a:r>
+              <a:rPr lang="en-US" dirty="0"/>
+              <a:t>Brandon Camacho</a:t>
+            </a:r>
+          </a:p>
+          <a:p>
+            <a:r>
+              <a:rPr lang="en-US" dirty="0"/>
+              <a:t>Parker Fink</a:t>
+            </a:r>
+          </a:p>
+          <a:p>
+            <a:r>
+              <a:rPr lang="en-US" dirty="0"/>
+              <a:t>Logan Hiller</a:t>
+            </a:r>
+          </a:p>
+          <a:p>
+            <a:r>
+              <a:rPr lang="en-US" dirty="0"/>
+              <a:t>Riley </a:t>
+            </a:r>
+            <a:r>
+              <a:rPr lang="en-US" dirty="0" err="1"/>
+              <a:t>Rorrer</a:t>
+            </a:r>
+            <a:endParaRPr lang="en-US" dirty="0"/>
+          </a:p>
+          <a:p>
+            <a:r>
+              <a:rPr lang="en-US" dirty="0"/>
+              <a:t>Will Shealer</a:t>
+            </a:r>
+          </a:p>
+          <a:p>
+            <a:r>
+              <a:rPr lang="en-US" dirty="0"/>
+              <a:t>Ethan Shimmel</a:t>
+            </a:r>
           </a:p>
         </p:txBody>
       </p:sp>
     </p:spTree>
     <p:extLst>
       <p:ext uri="{BB962C8B-B14F-4D97-AF65-F5344CB8AC3E}">
-        <p14:creationId xmlns:p14="http://schemas.microsoft.com/office/powerpoint/2010/main" val="181073489"/>
+        <p14:creationId xmlns:p14="http://schemas.microsoft.com/office/powerpoint/2010/main" val="3218290145"/>
       </p:ext>
     </p:extLst>
   </p:cSld>
   <p:clrMapOvr>
     <a:masterClrMapping/>
   </p:clrMapOvr>
+  <p:timing>
+    <p:tnLst>
+      <p:par>
+        <p:cTn id="1" dur="indefinite" restart="never" nodeType="tmRoot">
+          <p:childTnLst>
+            <p:seq concurrent="1" nextAc="seek">
+              <p:cTn id="2" dur="indefinite" nodeType="mainSeq">
+                <p:childTnLst>
+                  <p:par>
+                    <p:cTn id="3" fill="hold">
+                      <p:stCondLst>
+                        <p:cond delay="indefinite"/>
+                      </p:stCondLst>
+                      <p:childTnLst>
+                        <p:par>
+                          <p:cTn id="4" fill="hold">
+                            <p:stCondLst>
+                              <p:cond delay="0"/>
+                            </p:stCondLst>
+                            <p:childTnLst>
+                              <p:par>
+                                <p:cTn id="5" presetID="1" presetClass="entr" presetSubtype="0" fill="hold" grpId="0" nodeType="clickEffect">
+                                  <p:stCondLst>
+                                    <p:cond delay="0"/>
+                                  </p:stCondLst>
+                                  <p:childTnLst>
+                                    <p:set>
+                                      <p:cBhvr>
+                                        <p:cTn id="6" dur="1" fill="hold">
+                                          <p:stCondLst>
+                                            <p:cond delay="0"/>
+                                          </p:stCondLst>
+                                        </p:cTn>
+                                        <p:tgtEl>
+                                          <p:spTgt spid="3">
+                                            <p:txEl>
+                                              <p:pRg st="0" end="0"/>
+                                            </p:txEl>
+                                          </p:spTgt>
+                                        </p:tgtEl>
+                                        <p:attrNameLst>
+                                          <p:attrName>style.visibility</p:attrName>
+                                        </p:attrNameLst>
+                                      </p:cBhvr>
+                                      <p:to>
+                                        <p:strVal val="visible"/>
+                                      </p:to>
+                                    </p:set>
+                                  </p:childTnLst>
+                                </p:cTn>
+                              </p:par>
+                            </p:childTnLst>
+                          </p:cTn>
+                        </p:par>
+                      </p:childTnLst>
+                    </p:cTn>
+                  </p:par>
+                  <p:par>
+                    <p:cTn id="7" fill="hold">
+                      <p:stCondLst>
+                        <p:cond delay="indefinite"/>
+                      </p:stCondLst>
+                      <p:childTnLst>
+                        <p:par>
+                          <p:cTn id="8" fill="hold">
+                            <p:stCondLst>
+                              <p:cond delay="0"/>
+                            </p:stCondLst>
+                            <p:childTnLst>
+                              <p:par>
+                                <p:cTn id="9" presetID="1" presetClass="entr" presetSubtype="0" fill="hold" grpId="0" nodeType="clickEffect">
+                                  <p:stCondLst>
+                                    <p:cond delay="0"/>
+                                  </p:stCondLst>
+                                  <p:childTnLst>
+                                    <p:set>
+                                      <p:cBhvr>
+                                        <p:cTn id="10" dur="1" fill="hold">
+                                          <p:stCondLst>
+                                            <p:cond delay="0"/>
+                                          </p:stCondLst>
+                                        </p:cTn>
+                                        <p:tgtEl>
+                                          <p:spTgt spid="3">
+                                            <p:txEl>
+                                              <p:pRg st="1" end="1"/>
+                                            </p:txEl>
+                                          </p:spTgt>
+                                        </p:tgtEl>
+                                        <p:attrNameLst>
+                                          <p:attrName>style.visibility</p:attrName>
+                                        </p:attrNameLst>
+                                      </p:cBhvr>
+                                      <p:to>
+                                        <p:strVal val="visible"/>
+                                      </p:to>
+                                    </p:set>
+                                  </p:childTnLst>
+                                </p:cTn>
+                              </p:par>
+                            </p:childTnLst>
+                          </p:cTn>
+                        </p:par>
+                      </p:childTnLst>
+                    </p:cTn>
+                  </p:par>
+                  <p:par>
+                    <p:cTn id="11" fill="hold">
+                      <p:stCondLst>
+                        <p:cond delay="indefinite"/>
+                      </p:stCondLst>
+                      <p:childTnLst>
+                        <p:par>
+                          <p:cTn id="12" fill="hold">
+                            <p:stCondLst>
+                              <p:cond delay="0"/>
+                            </p:stCondLst>
+                            <p:childTnLst>
+                              <p:par>
+                                <p:cTn id="13" presetID="1" presetClass="entr" presetSubtype="0" fill="hold" grpId="0" nodeType="clickEffect">
+                                  <p:stCondLst>
+                                    <p:cond delay="0"/>
+                                  </p:stCondLst>
+                                  <p:childTnLst>
+                                    <p:set>
+                                      <p:cBhvr>
+                                        <p:cTn id="14" dur="1" fill="hold">
+                                          <p:stCondLst>
+                                            <p:cond delay="0"/>
+                                          </p:stCondLst>
+                                        </p:cTn>
+                                        <p:tgtEl>
+                                          <p:spTgt spid="3">
+                                            <p:txEl>
+                                              <p:pRg st="2" end="2"/>
+                                            </p:txEl>
+                                          </p:spTgt>
+                                        </p:tgtEl>
+                                        <p:attrNameLst>
+                                          <p:attrName>style.visibility</p:attrName>
+                                        </p:attrNameLst>
+                                      </p:cBhvr>
+                                      <p:to>
+                                        <p:strVal val="visible"/>
+                                      </p:to>
+                                    </p:set>
+                                  </p:childTnLst>
+                                </p:cTn>
+                              </p:par>
+                            </p:childTnLst>
+                          </p:cTn>
+                        </p:par>
+                      </p:childTnLst>
+                    </p:cTn>
+                  </p:par>
+                  <p:par>
+                    <p:cTn id="15" fill="hold">
+                      <p:stCondLst>
+                        <p:cond delay="indefinite"/>
+                      </p:stCondLst>
+                      <p:childTnLst>
+                        <p:par>
+                          <p:cTn id="16" fill="hold">
+                            <p:stCondLst>
+                              <p:cond delay="0"/>
+                            </p:stCondLst>
+                            <p:childTnLst>
+                              <p:par>
+                                <p:cTn id="17" presetID="1" presetClass="entr" presetSubtype="0" fill="hold" grpId="0" nodeType="clickEffect">
+                                  <p:stCondLst>
+                                    <p:cond delay="0"/>
+                                  </p:stCondLst>
+                                  <p:childTnLst>
+                                    <p:set>
+                                      <p:cBhvr>
+                                        <p:cTn id="18" dur="1" fill="hold">
+                                          <p:stCondLst>
+                                            <p:cond delay="0"/>
+                                          </p:stCondLst>
+                                        </p:cTn>
+                                        <p:tgtEl>
+                                          <p:spTgt spid="3">
+                                            <p:txEl>
+                                              <p:pRg st="3" end="3"/>
+                                            </p:txEl>
+                                          </p:spTgt>
+                                        </p:tgtEl>
+                                        <p:attrNameLst>
+                                          <p:attrName>style.visibility</p:attrName>
+                                        </p:attrNameLst>
+                                      </p:cBhvr>
+                                      <p:to>
+                                        <p:strVal val="visible"/>
+                                      </p:to>
+                                    </p:set>
+                                  </p:childTnLst>
+                                </p:cTn>
+                              </p:par>
+                            </p:childTnLst>
+                          </p:cTn>
+                        </p:par>
+                      </p:childTnLst>
+                    </p:cTn>
+                  </p:par>
+                  <p:par>
+                    <p:cTn id="19" fill="hold">
+                      <p:stCondLst>
+                        <p:cond delay="indefinite"/>
+                      </p:stCondLst>
+                      <p:childTnLst>
+                        <p:par>
+                          <p:cTn id="20" fill="hold">
+                            <p:stCondLst>
+                              <p:cond delay="0"/>
+                            </p:stCondLst>
+                            <p:childTnLst>
+                              <p:par>
+                                <p:cTn id="21" presetID="1" presetClass="entr" presetSubtype="0" fill="hold" grpId="0" nodeType="clickEffect">
+                                  <p:stCondLst>
+                                    <p:cond delay="0"/>
+                                  </p:stCondLst>
+                                  <p:childTnLst>
+                                    <p:set>
+                                      <p:cBhvr>
+                                        <p:cTn id="22" dur="1" fill="hold">
+                                          <p:stCondLst>
+                                            <p:cond delay="0"/>
+                                          </p:stCondLst>
+                                        </p:cTn>
+                                        <p:tgtEl>
+                                          <p:spTgt spid="3">
+                                            <p:txEl>
+                                              <p:pRg st="4" end="4"/>
+                                            </p:txEl>
+                                          </p:spTgt>
+                                        </p:tgtEl>
+                                        <p:attrNameLst>
+                                          <p:attrName>style.visibility</p:attrName>
+                                        </p:attrNameLst>
+                                      </p:cBhvr>
+                                      <p:to>
+                                        <p:strVal val="visible"/>
+                                      </p:to>
+                                    </p:set>
+                                  </p:childTnLst>
+                                </p:cTn>
+                              </p:par>
+                            </p:childTnLst>
+                          </p:cTn>
+                        </p:par>
+                      </p:childTnLst>
+                    </p:cTn>
+                  </p:par>
+                  <p:par>
+                    <p:cTn id="23" fill="hold">
+                      <p:stCondLst>
+                        <p:cond delay="indefinite"/>
+                      </p:stCondLst>
+                      <p:childTnLst>
+                        <p:par>
+                          <p:cTn id="24" fill="hold">
+                            <p:stCondLst>
+                              <p:cond delay="0"/>
+                            </p:stCondLst>
+                            <p:childTnLst>
+                              <p:par>
+                                <p:cTn id="25" presetID="1" presetClass="entr" presetSubtype="0" fill="hold" grpId="0" nodeType="clickEffect">
+                                  <p:stCondLst>
+                                    <p:cond delay="0"/>
+                                  </p:stCondLst>
+                                  <p:childTnLst>
+                                    <p:set>
+                                      <p:cBhvr>
+                                        <p:cTn id="26" dur="1" fill="hold">
+                                          <p:stCondLst>
+                                            <p:cond delay="0"/>
+                                          </p:stCondLst>
+                                        </p:cTn>
+                                        <p:tgtEl>
+                                          <p:spTgt spid="3">
+                                            <p:txEl>
+                                              <p:pRg st="5" end="5"/>
+                                            </p:txEl>
+                                          </p:spTgt>
+                                        </p:tgtEl>
+                                        <p:attrNameLst>
+                                          <p:attrName>style.visibility</p:attrName>
+                                        </p:attrNameLst>
+                                      </p:cBhvr>
+                                      <p:to>
+                                        <p:strVal val="visible"/>
+                                      </p:to>
+                                    </p:set>
+                                  </p:childTnLst>
+                                </p:cTn>
+                              </p:par>
+                            </p:childTnLst>
+                          </p:cTn>
+                        </p:par>
+                      </p:childTnLst>
+                    </p:cTn>
+                  </p:par>
+                  <p:par>
+                    <p:cTn id="27" fill="hold">
+                      <p:stCondLst>
+                        <p:cond delay="indefinite"/>
+                      </p:stCondLst>
+                      <p:childTnLst>
+                        <p:par>
+                          <p:cTn id="28" fill="hold">
+                            <p:stCondLst>
+                              <p:cond delay="0"/>
+                            </p:stCondLst>
+                            <p:childTnLst>
+                              <p:par>
+                                <p:cTn id="29" presetID="1" presetClass="entr" presetSubtype="0" fill="hold" grpId="0" nodeType="clickEffect">
+                                  <p:stCondLst>
+                                    <p:cond delay="0"/>
+                                  </p:stCondLst>
+                                  <p:childTnLst>
+                                    <p:set>
+                                      <p:cBhvr>
+                                        <p:cTn id="30" dur="1" fill="hold">
+                                          <p:stCondLst>
+                                            <p:cond delay="0"/>
+                                          </p:stCondLst>
+                                        </p:cTn>
+                                        <p:tgtEl>
+                                          <p:spTgt spid="3">
+                                            <p:txEl>
+                                              <p:pRg st="6" end="6"/>
+                                            </p:txEl>
+                                          </p:spTgt>
+                                        </p:tgtEl>
+                                        <p:attrNameLst>
+                                          <p:attrName>style.visibility</p:attrName>
+                                        </p:attrNameLst>
+                                      </p:cBhvr>
+                                      <p:to>
+                                        <p:strVal val="visible"/>
+                                      </p:to>
+                                    </p:set>
+                                  </p:childTnLst>
+                                </p:cTn>
+                              </p:par>
+                            </p:childTnLst>
+                          </p:cTn>
+                        </p:par>
+                      </p:childTnLst>
+                    </p:cTn>
+                  </p:par>
+                </p:childTnLst>
+              </p:cTn>
+              <p:prevCondLst>
+                <p:cond evt="onPrev" delay="0">
+                  <p:tgtEl>
+                    <p:sldTgt/>
+                  </p:tgtEl>
+                </p:cond>
+              </p:prevCondLst>
+              <p:nextCondLst>
+                <p:cond evt="onNext" delay="0">
+                  <p:tgtEl>
+                    <p:sldTgt/>
+                  </p:tgtEl>
+                </p:cond>
+              </p:nextCondLst>
+            </p:seq>
+          </p:childTnLst>
+        </p:cTn>
+      </p:par>
+    </p:tnLst>
+    <p:bldLst>
+      <p:bldP spid="3" grpId="0" build="p"/>
+    </p:bldLst>
+  </p:timing>
 </p:sld>
 </file>
 
@@ -4110,7 +5471,7 @@
           <p:cNvPr id="2" name="Title 1">
             <a:extLst>
               <a:ext uri="{FF2B5EF4-FFF2-40B4-BE49-F238E27FC236}">
-                <a16:creationId xmlns:a16="http://schemas.microsoft.com/office/drawing/2014/main" id="{D534BA0C-479C-483D-A7AC-293EBB3BD805}"/>
+                <a16:creationId xmlns:a16="http://schemas.microsoft.com/office/drawing/2014/main" id="{8EFBF4C5-4293-48B0-AAC0-DA3C303B9543}"/>
               </a:ext>
             </a:extLst>
           </p:cNvPr>
@@ -4128,7 +5489,7 @@
           <a:p>
             <a:r>
               <a:rPr lang="en-US" dirty="0"/>
-              <a:t>Reflections</a:t>
+              <a:t>Chairs?</a:t>
             </a:r>
           </a:p>
         </p:txBody>
@@ -4138,7 +5499,7 @@
           <p:cNvPr id="3" name="Content Placeholder 2">
             <a:extLst>
               <a:ext uri="{FF2B5EF4-FFF2-40B4-BE49-F238E27FC236}">
-                <a16:creationId xmlns:a16="http://schemas.microsoft.com/office/drawing/2014/main" id="{20734A25-FB99-48A6-B2E4-9D63932684B7}"/>
+                <a16:creationId xmlns:a16="http://schemas.microsoft.com/office/drawing/2014/main" id="{FA8BE998-E751-4B6A-8EFF-6B45B57C3FF2}"/>
               </a:ext>
             </a:extLst>
           </p:cNvPr>
@@ -4154,9 +5515,112 @@
           <a:bodyPr/>
           <a:lstStyle/>
           <a:p>
+            <a:endParaRPr lang="en-US" dirty="0"/>
+          </a:p>
+        </p:txBody>
+      </p:sp>
+    </p:spTree>
+    <p:extLst>
+      <p:ext uri="{BB962C8B-B14F-4D97-AF65-F5344CB8AC3E}">
+        <p14:creationId xmlns:p14="http://schemas.microsoft.com/office/powerpoint/2010/main" val="181073489"/>
+      </p:ext>
+    </p:extLst>
+  </p:cSld>
+  <p:clrMapOvr>
+    <a:masterClrMapping/>
+  </p:clrMapOvr>
+</p:sld>
+</file>
+
+<file path=ppt/slides/slide6.xml><?xml version="1.0" encoding="utf-8"?>
+<p:sld xmlns:a="http://schemas.openxmlformats.org/drawingml/2006/main" xmlns:r="http://schemas.openxmlformats.org/officeDocument/2006/relationships" xmlns:p="http://schemas.openxmlformats.org/presentationml/2006/main">
+  <p:cSld>
+    <p:spTree>
+      <p:nvGrpSpPr>
+        <p:cNvPr id="1" name=""/>
+        <p:cNvGrpSpPr/>
+        <p:nvPr/>
+      </p:nvGrpSpPr>
+      <p:grpSpPr>
+        <a:xfrm>
+          <a:off x="0" y="0"/>
+          <a:ext cx="0" cy="0"/>
+          <a:chOff x="0" y="0"/>
+          <a:chExt cx="0" cy="0"/>
+        </a:xfrm>
+      </p:grpSpPr>
+      <p:sp>
+        <p:nvSpPr>
+          <p:cNvPr id="2" name="Title 1">
+            <a:extLst>
+              <a:ext uri="{FF2B5EF4-FFF2-40B4-BE49-F238E27FC236}">
+                <a16:creationId xmlns:a16="http://schemas.microsoft.com/office/drawing/2014/main" id="{D534BA0C-479C-483D-A7AC-293EBB3BD805}"/>
+              </a:ext>
+            </a:extLst>
+          </p:cNvPr>
+          <p:cNvSpPr>
+            <a:spLocks noGrp="1"/>
+          </p:cNvSpPr>
+          <p:nvPr>
+            <p:ph type="title"/>
+          </p:nvPr>
+        </p:nvSpPr>
+        <p:spPr/>
+        <p:txBody>
+          <a:bodyPr/>
+          <a:lstStyle/>
+          <a:p>
             <a:r>
               <a:rPr lang="en-US" dirty="0"/>
-              <a:t>Carmen </a:t>
+              <a:t>Reflections</a:t>
+            </a:r>
+          </a:p>
+        </p:txBody>
+      </p:sp>
+      <p:sp>
+        <p:nvSpPr>
+          <p:cNvPr id="3" name="Content Placeholder 2">
+            <a:extLst>
+              <a:ext uri="{FF2B5EF4-FFF2-40B4-BE49-F238E27FC236}">
+                <a16:creationId xmlns:a16="http://schemas.microsoft.com/office/drawing/2014/main" id="{20734A25-FB99-48A6-B2E4-9D63932684B7}"/>
+              </a:ext>
+            </a:extLst>
+          </p:cNvPr>
+          <p:cNvSpPr>
+            <a:spLocks noGrp="1"/>
+          </p:cNvSpPr>
+          <p:nvPr>
+            <p:ph idx="1"/>
+          </p:nvPr>
+        </p:nvSpPr>
+        <p:spPr/>
+        <p:txBody>
+          <a:bodyPr/>
+          <a:lstStyle/>
+          <a:p>
+            <a:r>
+              <a:rPr lang="en-US" dirty="0" err="1"/>
+              <a:t>Macarios</a:t>
+            </a:r>
+            <a:r>
+              <a:rPr lang="en-US" dirty="0"/>
+              <a:t> Hoover, Jacob </a:t>
+            </a:r>
+            <a:r>
+              <a:rPr lang="en-US" dirty="0" err="1"/>
+              <a:t>Smith,</a:t>
+            </a:r>
+            <a:r>
+              <a:rPr lang="en-US" dirty="0"/>
+              <a:t> Jason Lara, Trey </a:t>
+            </a:r>
+            <a:r>
+              <a:rPr lang="en-US" dirty="0" err="1"/>
+              <a:t>Floto</a:t>
+            </a:r>
+            <a:r>
+              <a:rPr lang="en-US" dirty="0"/>
+              <a:t>, Ethan Shimmel, Carmen </a:t>
             </a:r>
             <a:r>
               <a:rPr lang="en-US" dirty="0" err="1"/>
@@ -4172,23 +5636,7 @@
             </a:r>
             <a:r>
               <a:rPr lang="en-US" dirty="0"/>
-              <a:t>, Ethan Shimmel, Trey </a:t>
-            </a:r>
-            <a:r>
-              <a:rPr lang="en-US" dirty="0" err="1"/>
-              <a:t>Floto</a:t>
-            </a:r>
-            <a:r>
-              <a:rPr lang="en-US" dirty="0"/>
-              <a:t>, Jason Lara, </a:t>
-            </a:r>
-            <a:r>
-              <a:rPr lang="en-US" dirty="0" err="1"/>
-              <a:t>Macarios</a:t>
-            </a:r>
-            <a:r>
-              <a:rPr lang="en-US" dirty="0"/>
-              <a:t> Hoover</a:t>
+              <a:t>, </a:t>
             </a:r>
           </a:p>
           <a:p>
@@ -4389,212 +5837,6 @@
 </p:sld>
 </file>
 
-<file path=ppt/slides/slide6.xml><?xml version="1.0" encoding="utf-8"?>
-<p:sld xmlns:a="http://schemas.openxmlformats.org/drawingml/2006/main" xmlns:r="http://schemas.openxmlformats.org/officeDocument/2006/relationships" xmlns:p="http://schemas.openxmlformats.org/presentationml/2006/main">
-  <p:cSld>
-    <p:spTree>
-      <p:nvGrpSpPr>
-        <p:cNvPr id="1" name=""/>
-        <p:cNvGrpSpPr/>
-        <p:nvPr/>
-      </p:nvGrpSpPr>
-      <p:grpSpPr>
-        <a:xfrm>
-          <a:off x="0" y="0"/>
-          <a:ext cx="0" cy="0"/>
-          <a:chOff x="0" y="0"/>
-          <a:chExt cx="0" cy="0"/>
-        </a:xfrm>
-      </p:grpSpPr>
-      <p:sp>
-        <p:nvSpPr>
-          <p:cNvPr id="2" name="Title 1">
-            <a:extLst>
-              <a:ext uri="{FF2B5EF4-FFF2-40B4-BE49-F238E27FC236}">
-                <a16:creationId xmlns:a16="http://schemas.microsoft.com/office/drawing/2014/main" id="{73281584-968E-44E9-8667-87657B8F9910}"/>
-              </a:ext>
-            </a:extLst>
-          </p:cNvPr>
-          <p:cNvSpPr>
-            <a:spLocks noGrp="1"/>
-          </p:cNvSpPr>
-          <p:nvPr>
-            <p:ph type="title"/>
-          </p:nvPr>
-        </p:nvSpPr>
-        <p:spPr/>
-        <p:txBody>
-          <a:bodyPr/>
-          <a:lstStyle/>
-          <a:p>
-            <a:r>
-              <a:rPr lang="en-US" dirty="0"/>
-              <a:t>My Reflection pt1</a:t>
-            </a:r>
-          </a:p>
-        </p:txBody>
-      </p:sp>
-      <p:sp>
-        <p:nvSpPr>
-          <p:cNvPr id="3" name="Content Placeholder 2">
-            <a:extLst>
-              <a:ext uri="{FF2B5EF4-FFF2-40B4-BE49-F238E27FC236}">
-                <a16:creationId xmlns:a16="http://schemas.microsoft.com/office/drawing/2014/main" id="{F6BBC497-3F5D-41CC-8247-03D5D16B4FEE}"/>
-              </a:ext>
-            </a:extLst>
-          </p:cNvPr>
-          <p:cNvSpPr>
-            <a:spLocks noGrp="1"/>
-          </p:cNvSpPr>
-          <p:nvPr>
-            <p:ph idx="1"/>
-          </p:nvPr>
-        </p:nvSpPr>
-        <p:spPr/>
-        <p:txBody>
-          <a:bodyPr/>
-          <a:lstStyle/>
-          <a:p>
-            <a:r>
-              <a:rPr lang="en-US" dirty="0"/>
-              <a:t>What is one technique you learned in coding this week, and how will you use it in the future?</a:t>
-            </a:r>
-          </a:p>
-          <a:p>
-            <a:pPr lvl="1"/>
-            <a:r>
-              <a:rPr lang="en-US" dirty="0"/>
-              <a:t>This one is very specific to a project. NodeJS suffers from something know as “callback hell”, where synchronous code has to be put inside preceding callbacks of asynchronous functions. For example, if I want to write data to a database, but I first need data from the database, I have to put the write function inside of the read function’s callback. Someone showed me a way of writing sync functions for common database calls, and those sync functions can be used with ‘await’ to make them synchronous. This makes Nodejs behave in a reasonable, synchronous manner instead of tunneling down into dozens of callbacks.</a:t>
-            </a:r>
-          </a:p>
-        </p:txBody>
-      </p:sp>
-    </p:spTree>
-    <p:extLst>
-      <p:ext uri="{BB962C8B-B14F-4D97-AF65-F5344CB8AC3E}">
-        <p14:creationId xmlns:p14="http://schemas.microsoft.com/office/powerpoint/2010/main" val="3580603149"/>
-      </p:ext>
-    </p:extLst>
-  </p:cSld>
-  <p:clrMapOvr>
-    <a:masterClrMapping/>
-  </p:clrMapOvr>
-  <p:timing>
-    <p:tnLst>
-      <p:par>
-        <p:cTn id="1" dur="indefinite" restart="never" nodeType="tmRoot">
-          <p:childTnLst>
-            <p:seq concurrent="1" nextAc="seek">
-              <p:cTn id="2" dur="indefinite" nodeType="mainSeq">
-                <p:childTnLst>
-                  <p:par>
-                    <p:cTn id="3" fill="hold">
-                      <p:stCondLst>
-                        <p:cond delay="indefinite"/>
-                      </p:stCondLst>
-                      <p:childTnLst>
-                        <p:par>
-                          <p:cTn id="4" fill="hold">
-                            <p:stCondLst>
-                              <p:cond delay="0"/>
-                            </p:stCondLst>
-                            <p:childTnLst>
-                              <p:par>
-                                <p:cTn id="5" presetID="1" presetClass="entr" presetSubtype="0" fill="hold" grpId="0" nodeType="clickEffect">
-                                  <p:stCondLst>
-                                    <p:cond delay="0"/>
-                                  </p:stCondLst>
-                                  <p:childTnLst>
-                                    <p:set>
-                                      <p:cBhvr>
-                                        <p:cTn id="6" dur="1" fill="hold">
-                                          <p:stCondLst>
-                                            <p:cond delay="0"/>
-                                          </p:stCondLst>
-                                        </p:cTn>
-                                        <p:tgtEl>
-                                          <p:spTgt spid="3">
-                                            <p:txEl>
-                                              <p:pRg st="0" end="0"/>
-                                            </p:txEl>
-                                          </p:spTgt>
-                                        </p:tgtEl>
-                                        <p:attrNameLst>
-                                          <p:attrName>style.visibility</p:attrName>
-                                        </p:attrNameLst>
-                                      </p:cBhvr>
-                                      <p:to>
-                                        <p:strVal val="visible"/>
-                                      </p:to>
-                                    </p:set>
-                                  </p:childTnLst>
-                                </p:cTn>
-                              </p:par>
-                              <p:par>
-                                <p:cTn id="7" presetID="1" presetClass="entr" presetSubtype="0" fill="hold" grpId="0" nodeType="withEffect">
-                                  <p:stCondLst>
-                                    <p:cond delay="0"/>
-                                  </p:stCondLst>
-                                  <p:childTnLst>
-                                    <p:set>
-                                      <p:cBhvr>
-                                        <p:cTn id="8" dur="1" fill="hold">
-                                          <p:stCondLst>
-                                            <p:cond delay="0"/>
-                                          </p:stCondLst>
-                                        </p:cTn>
-                                        <p:tgtEl>
-                                          <p:spTgt spid="3">
-                                            <p:txEl>
-                                              <p:pRg st="1" end="1"/>
-                                            </p:txEl>
-                                          </p:spTgt>
-                                        </p:tgtEl>
-                                        <p:attrNameLst>
-                                          <p:attrName>style.visibility</p:attrName>
-                                        </p:attrNameLst>
-                                      </p:cBhvr>
-                                      <p:to>
-                                        <p:strVal val="visible"/>
-                                      </p:to>
-                                    </p:set>
-                                  </p:childTnLst>
-                                </p:cTn>
-                              </p:par>
-                            </p:childTnLst>
-                          </p:cTn>
-                        </p:par>
-                      </p:childTnLst>
-                    </p:cTn>
-                  </p:par>
-                </p:childTnLst>
-              </p:cTn>
-              <p:prevCondLst>
-                <p:cond evt="onPrev" delay="0">
-                  <p:tgtEl>
-                    <p:sldTgt/>
-                  </p:tgtEl>
-                </p:cond>
-              </p:prevCondLst>
-              <p:nextCondLst>
-                <p:cond evt="onNext" delay="0">
-                  <p:tgtEl>
-                    <p:sldTgt/>
-                  </p:tgtEl>
-                </p:cond>
-              </p:nextCondLst>
-            </p:seq>
-          </p:childTnLst>
-        </p:cTn>
-      </p:par>
-    </p:tnLst>
-    <p:bldLst>
-      <p:bldP spid="3" grpId="0" build="p"/>
-    </p:bldLst>
-  </p:timing>
-</p:sld>
-</file>
-
 <file path=ppt/slides/slide7.xml><?xml version="1.0" encoding="utf-8"?>
 <p:sld xmlns:a="http://schemas.openxmlformats.org/drawingml/2006/main" xmlns:r="http://schemas.openxmlformats.org/officeDocument/2006/relationships" xmlns:p="http://schemas.openxmlformats.org/presentationml/2006/main">
   <p:cSld>
@@ -4617,7 +5859,7 @@
           <p:cNvPr id="2" name="Title 1">
             <a:extLst>
               <a:ext uri="{FF2B5EF4-FFF2-40B4-BE49-F238E27FC236}">
-                <a16:creationId xmlns:a16="http://schemas.microsoft.com/office/drawing/2014/main" id="{EFB7A114-7299-4371-9D89-F6EC11E31C2B}"/>
+                <a16:creationId xmlns:a16="http://schemas.microsoft.com/office/drawing/2014/main" id="{73281584-968E-44E9-8667-87657B8F9910}"/>
               </a:ext>
             </a:extLst>
           </p:cNvPr>
@@ -4635,7 +5877,7 @@
           <a:p>
             <a:r>
               <a:rPr lang="en-US" dirty="0"/>
-              <a:t>My Reflection pt2</a:t>
+              <a:t>My Reflection pt1</a:t>
             </a:r>
           </a:p>
         </p:txBody>
@@ -4645,7 +5887,7 @@
           <p:cNvPr id="3" name="Content Placeholder 2">
             <a:extLst>
               <a:ext uri="{FF2B5EF4-FFF2-40B4-BE49-F238E27FC236}">
-                <a16:creationId xmlns:a16="http://schemas.microsoft.com/office/drawing/2014/main" id="{7E3E6E5D-3DD3-4262-AA5A-C8A389C0B16C}"/>
+                <a16:creationId xmlns:a16="http://schemas.microsoft.com/office/drawing/2014/main" id="{F6BBC497-3F5D-41CC-8247-03D5D16B4FEE}"/>
               </a:ext>
             </a:extLst>
           </p:cNvPr>
@@ -4663,22 +5905,71 @@
           <a:p>
             <a:r>
               <a:rPr lang="en-US" dirty="0"/>
-              <a:t>What was a challenge to your time management this week, and what can you do to avoid it in the future?</a:t>
+              <a:t>What is one technique you learned in coding this week, and how will you use it in the future?</a:t>
             </a:r>
           </a:p>
           <a:p>
             <a:pPr lvl="1"/>
             <a:r>
               <a:rPr lang="en-US" dirty="0"/>
-              <a:t>As much as I want to blame being sick, I have been “relaxing” too hard and too long at home. Between my new “don’t work at home” policy, and a friend recently quitting doing their daily tasks with me, I’ve been in a real slump. A big part of it is, “If you can do anything at any time, when is it time to do anything?”. I need to re-establish a routine and cut down on unscheduled “free time”. I should be planning to do things when I know I am free and sticking to doing those things.</a:t>
-            </a:r>
+              <a:t>Learning new stuff is hard when you teach beginner-level programming as a job. I did, however, help Ethan with an interesting way of automatically making new RGB hex colors. The most interesting part was using a string as a way of converting a decimal iterator to a hexadecimal value. For example, if I loop less than 16 times, I can use </a:t>
+            </a:r>
+            <a:r>
+              <a:rPr lang="en-US" dirty="0">
+                <a:solidFill>
+                  <a:schemeClr val="accent6">
+                    <a:lumMod val="75000"/>
+                  </a:schemeClr>
+                </a:solidFill>
+              </a:rPr>
+              <a:t>‘0123456789ABCDEF’[</a:t>
+            </a:r>
+            <a:r>
+              <a:rPr lang="en-US" dirty="0" err="1">
+                <a:solidFill>
+                  <a:schemeClr val="accent6">
+                    <a:lumMod val="75000"/>
+                  </a:schemeClr>
+                </a:solidFill>
+              </a:rPr>
+              <a:t>i</a:t>
+            </a:r>
+            <a:r>
+              <a:rPr lang="en-US" dirty="0">
+                <a:solidFill>
+                  <a:schemeClr val="accent6">
+                    <a:lumMod val="75000"/>
+                  </a:schemeClr>
+                </a:solidFill>
+              </a:rPr>
+              <a:t>] </a:t>
+            </a:r>
+            <a:r>
+              <a:rPr lang="en-US" dirty="0"/>
+              <a:t>to quickly convert ‘</a:t>
+            </a:r>
+            <a:r>
+              <a:rPr lang="en-US" dirty="0" err="1"/>
+              <a:t>i</a:t>
+            </a:r>
+            <a:r>
+              <a:rPr lang="en-US" dirty="0"/>
+              <a:t>’ to a hex value.</a:t>
+            </a:r>
+            <a:endParaRPr lang="en-US" dirty="0">
+              <a:solidFill>
+                <a:schemeClr val="accent6">
+                  <a:lumMod val="75000"/>
+                </a:schemeClr>
+              </a:solidFill>
+            </a:endParaRPr>
           </a:p>
         </p:txBody>
       </p:sp>
     </p:spTree>
     <p:extLst>
       <p:ext uri="{BB962C8B-B14F-4D97-AF65-F5344CB8AC3E}">
-        <p14:creationId xmlns:p14="http://schemas.microsoft.com/office/powerpoint/2010/main" val="166722940"/>
+        <p14:creationId xmlns:p14="http://schemas.microsoft.com/office/powerpoint/2010/main" val="3580603149"/>
       </p:ext>
     </p:extLst>
   </p:cSld>
@@ -4823,7 +6114,7 @@
           <p:cNvPr id="2" name="Title 1">
             <a:extLst>
               <a:ext uri="{FF2B5EF4-FFF2-40B4-BE49-F238E27FC236}">
-                <a16:creationId xmlns:a16="http://schemas.microsoft.com/office/drawing/2014/main" id="{DDA6E914-7486-4884-9AB0-4FF8A7E4DBE1}"/>
+                <a16:creationId xmlns:a16="http://schemas.microsoft.com/office/drawing/2014/main" id="{EFB7A114-7299-4371-9D89-F6EC11E31C2B}"/>
               </a:ext>
             </a:extLst>
           </p:cNvPr>
@@ -4841,7 +6132,7 @@
           <a:p>
             <a:r>
               <a:rPr lang="en-US" dirty="0"/>
-              <a:t>My Reflection pt3</a:t>
+              <a:t>My Reflection pt2</a:t>
             </a:r>
           </a:p>
         </p:txBody>
@@ -4851,7 +6142,7 @@
           <p:cNvPr id="3" name="Content Placeholder 2">
             <a:extLst>
               <a:ext uri="{FF2B5EF4-FFF2-40B4-BE49-F238E27FC236}">
-                <a16:creationId xmlns:a16="http://schemas.microsoft.com/office/drawing/2014/main" id="{911F6C78-4F2B-44D8-A656-6D8B81E58B48}"/>
+                <a16:creationId xmlns:a16="http://schemas.microsoft.com/office/drawing/2014/main" id="{7E3E6E5D-3DD3-4262-AA5A-C8A389C0B16C}"/>
               </a:ext>
             </a:extLst>
           </p:cNvPr>
@@ -4869,14 +6160,14 @@
           <a:p>
             <a:r>
               <a:rPr lang="en-US" dirty="0"/>
-              <a:t>What opportunities did you not take advantage of this week, and why?</a:t>
+              <a:t>What was a challenge to your time management this week, and what can you do to avoid it in the future?</a:t>
             </a:r>
           </a:p>
           <a:p>
             <a:pPr lvl="1"/>
             <a:r>
               <a:rPr lang="en-US" dirty="0"/>
-              <a:t>A random programmer found my app online, which had been languishing away with serious bugs. He began working on the app, which I encouraged, but he worked on it alone for about a week before I finally began participating. I don’t know what my problem was, but I got it in my head that it was not a good time for me to be engaging with it. I should have gotten involved sooner and been grateful that someone else was willing to fix problems with a project I owned for free.</a:t>
+              <a:t>I haven’t been using my planner the way I normally do. At some point I really fell out of the routine. I write things down so I don’t forget, but then I never check them later, so I miss deadlines. I’ve also just been making “lists” of things I should do, instead of assigning them dates and days of the week. Lists are a great way to start organizing your time, but the planner has the feature to put things in the correct day, so I may as well use it.</a:t>
             </a:r>
           </a:p>
         </p:txBody>
@@ -4884,7 +6175,7 @@
     </p:spTree>
     <p:extLst>
       <p:ext uri="{BB962C8B-B14F-4D97-AF65-F5344CB8AC3E}">
-        <p14:creationId xmlns:p14="http://schemas.microsoft.com/office/powerpoint/2010/main" val="4294327657"/>
+        <p14:creationId xmlns:p14="http://schemas.microsoft.com/office/powerpoint/2010/main" val="166722940"/>
       </p:ext>
     </p:extLst>
   </p:cSld>
@@ -5029,7 +6320,7 @@
           <p:cNvPr id="2" name="Title 1">
             <a:extLst>
               <a:ext uri="{FF2B5EF4-FFF2-40B4-BE49-F238E27FC236}">
-                <a16:creationId xmlns:a16="http://schemas.microsoft.com/office/drawing/2014/main" id="{D8A007DE-64F1-498B-BB5C-EE0FC11B39B7}"/>
+                <a16:creationId xmlns:a16="http://schemas.microsoft.com/office/drawing/2014/main" id="{DDA6E914-7486-4884-9AB0-4FF8A7E4DBE1}"/>
               </a:ext>
             </a:extLst>
           </p:cNvPr>
@@ -5047,7 +6338,7 @@
           <a:p>
             <a:r>
               <a:rPr lang="en-US" dirty="0"/>
-              <a:t>This week</a:t>
+              <a:t>My Reflection pt3</a:t>
             </a:r>
           </a:p>
         </p:txBody>
@@ -5057,7 +6348,7 @@
           <p:cNvPr id="3" name="Content Placeholder 2">
             <a:extLst>
               <a:ext uri="{FF2B5EF4-FFF2-40B4-BE49-F238E27FC236}">
-                <a16:creationId xmlns:a16="http://schemas.microsoft.com/office/drawing/2014/main" id="{45EC885E-E553-4463-BA3B-228F45C073F1}"/>
+                <a16:creationId xmlns:a16="http://schemas.microsoft.com/office/drawing/2014/main" id="{911F6C78-4F2B-44D8-A656-6D8B81E58B48}"/>
               </a:ext>
             </a:extLst>
           </p:cNvPr>
@@ -5070,45 +6361,54 @@
         </p:nvSpPr>
         <p:spPr/>
         <p:txBody>
-          <a:bodyPr/>
+          <a:bodyPr>
+            <a:normAutofit fontScale="92500" lnSpcReduction="20000"/>
+          </a:bodyPr>
           <a:lstStyle/>
           <a:p>
             <a:r>
               <a:rPr lang="en-US" dirty="0"/>
-              <a:t>Continuing CIW as normal</a:t>
-            </a:r>
-          </a:p>
-          <a:p>
+              <a:t>What opportunities did you not take advantage of this week.</a:t>
+            </a:r>
+          </a:p>
+          <a:p>
+            <a:pPr lvl="1"/>
             <a:r>
               <a:rPr lang="en-US" dirty="0"/>
-              <a:t>CIW Knowledge check at the end of the week</a:t>
+              <a:t>I decided to sell 11 of my Warhammer armies to have money to bolster the other 9. The problem is I started buying the new models before I sold the old. The models I want are starting to become discontinued, so I was suffering from FOMO. Instead of building the new models that I won’t play for a few weeks, I could have spent my evenings taking pictures of the old models and getting ready to list them online. This could have saved me interest charges on the credit card I bought the new models with.</a:t>
+            </a:r>
+          </a:p>
+          <a:p>
+            <a:r>
+              <a:rPr lang="en-US" dirty="0"/>
+              <a:t>What opportunities DID you take advantage of this week?</a:t>
             </a:r>
           </a:p>
           <a:p>
             <a:pPr lvl="1"/>
             <a:r>
               <a:rPr lang="en-US" dirty="0"/>
-              <a:t>This will be graded this time</a:t>
-            </a:r>
-          </a:p>
-          <a:p>
+              <a:t>I don’t like using premade coursework, because students find it very boring and I can’t tailor it to them. However, making coursework on your own is prohibitively time-intensive. I’ve learned this year that I can use premade coursework to fill gaps while I’m working on something better. I worked with Mr. </a:t>
+            </a:r>
+            <a:r>
+              <a:rPr lang="en-US" dirty="0" err="1"/>
+              <a:t>Merkert</a:t>
+            </a:r>
             <a:r>
               <a:rPr lang="en-US" dirty="0"/>
-              <a:t>TOURS! Ask for passes if you want to do tours this week.</a:t>
-            </a:r>
-          </a:p>
-          <a:p>
-            <a:r>
-              <a:rPr lang="en-US" dirty="0"/>
-              <a:t>I swear to God if you write “There was a four day week” as the answer to “What was a challenge to your time management?” I will give you a 0 for your Reflection.</a:t>
-            </a:r>
+              <a:t> to get training courses for the ITF. It’s not ideal, but it provides a path for my student to achieve something they were not able to achieve otherwise, while I continue to work interesting lessons into my curriculum.</a:t>
+            </a:r>
+          </a:p>
+          <a:p>
+            <a:pPr lvl="1"/>
+            <a:endParaRPr lang="en-US" dirty="0"/>
           </a:p>
         </p:txBody>
       </p:sp>
     </p:spTree>
     <p:extLst>
       <p:ext uri="{BB962C8B-B14F-4D97-AF65-F5344CB8AC3E}">
-        <p14:creationId xmlns:p14="http://schemas.microsoft.com/office/powerpoint/2010/main" val="3186301414"/>
+        <p14:creationId xmlns:p14="http://schemas.microsoft.com/office/powerpoint/2010/main" val="4294327657"/>
       </p:ext>
     </p:extLst>
   </p:cSld>
@@ -5166,33 +6466,15 @@
                                   </p:childTnLst>
                                 </p:cTn>
                               </p:par>
-                            </p:childTnLst>
-                          </p:cTn>
-                        </p:par>
-                      </p:childTnLst>
-                    </p:cTn>
-                  </p:par>
-                  <p:par>
-                    <p:cTn id="7" fill="hold">
-                      <p:stCondLst>
-                        <p:cond delay="indefinite"/>
-                      </p:stCondLst>
-                      <p:childTnLst>
-                        <p:par>
-                          <p:cTn id="8" fill="hold">
-                            <p:stCondLst>
-                              <p:cond delay="0"/>
-                            </p:stCondLst>
-                            <p:childTnLst>
                               <p:par>
-                                <p:cTn id="9" presetID="1" presetClass="entr" presetSubtype="0" fill="hold" grpId="0" nodeType="clickEffect">
+                                <p:cTn id="7" presetID="1" presetClass="entr" presetSubtype="0" fill="hold" grpId="0" nodeType="withEffect">
                                   <p:stCondLst>
                                     <p:cond delay="0"/>
                                   </p:stCondLst>
                                   <p:childTnLst>
                                     <p:set>
                                       <p:cBhvr>
-                                        <p:cTn id="10" dur="1" fill="hold">
+                                        <p:cTn id="8" dur="1" fill="hold">
                                           <p:stCondLst>
                                             <p:cond delay="0"/>
                                           </p:stCondLst>
@@ -5215,8 +6497,26 @@
                                   </p:childTnLst>
                                 </p:cTn>
                               </p:par>
+                            </p:childTnLst>
+                          </p:cTn>
+                        </p:par>
+                      </p:childTnLst>
+                    </p:cTn>
+                  </p:par>
+                  <p:par>
+                    <p:cTn id="9" fill="hold">
+                      <p:stCondLst>
+                        <p:cond delay="indefinite"/>
+                      </p:stCondLst>
+                      <p:childTnLst>
+                        <p:par>
+                          <p:cTn id="10" fill="hold">
+                            <p:stCondLst>
+                              <p:cond delay="0"/>
+                            </p:stCondLst>
+                            <p:childTnLst>
                               <p:par>
-                                <p:cTn id="11" presetID="1" presetClass="entr" presetSubtype="0" fill="hold" grpId="0" nodeType="withEffect">
+                                <p:cTn id="11" presetID="1" presetClass="entr" presetSubtype="0" fill="hold" grpId="0" nodeType="clickEffect">
                                   <p:stCondLst>
                                     <p:cond delay="0"/>
                                   </p:stCondLst>
@@ -5246,33 +6546,15 @@
                                   </p:childTnLst>
                                 </p:cTn>
                               </p:par>
-                            </p:childTnLst>
-                          </p:cTn>
-                        </p:par>
-                      </p:childTnLst>
-                    </p:cTn>
-                  </p:par>
-                  <p:par>
-                    <p:cTn id="13" fill="hold">
-                      <p:stCondLst>
-                        <p:cond delay="indefinite"/>
-                      </p:stCondLst>
-                      <p:childTnLst>
-                        <p:par>
-                          <p:cTn id="14" fill="hold">
-                            <p:stCondLst>
-                              <p:cond delay="0"/>
-                            </p:stCondLst>
-                            <p:childTnLst>
                               <p:par>
-                                <p:cTn id="15" presetID="1" presetClass="entr" presetSubtype="0" fill="hold" grpId="0" nodeType="clickEffect">
+                                <p:cTn id="13" presetID="1" presetClass="entr" presetSubtype="0" fill="hold" grpId="0" nodeType="withEffect">
                                   <p:stCondLst>
                                     <p:cond delay="0"/>
                                   </p:stCondLst>
                                   <p:childTnLst>
                                     <p:set>
                                       <p:cBhvr>
-                                        <p:cTn id="16" dur="1" fill="hold">
+                                        <p:cTn id="14" dur="1" fill="hold">
                                           <p:stCondLst>
                                             <p:cond delay="0"/>
                                           </p:stCondLst>
@@ -5281,55 +6563,6 @@
                                           <p:spTgt spid="3">
                                             <p:txEl>
                                               <p:pRg st="3" end="3"/>
-                                            </p:txEl>
-                                          </p:spTgt>
-                                        </p:tgtEl>
-                                        <p:attrNameLst>
-                                          <p:attrName>style.visibility</p:attrName>
-                                        </p:attrNameLst>
-                                      </p:cBhvr>
-                                      <p:to>
-                                        <p:strVal val="visible"/>
-                                      </p:to>
-                                    </p:set>
-                                  </p:childTnLst>
-                                </p:cTn>
-                              </p:par>
-                            </p:childTnLst>
-                          </p:cTn>
-                        </p:par>
-                      </p:childTnLst>
-                    </p:cTn>
-                  </p:par>
-                  <p:par>
-                    <p:cTn id="17" fill="hold">
-                      <p:stCondLst>
-                        <p:cond delay="indefinite"/>
-                      </p:stCondLst>
-                      <p:childTnLst>
-                        <p:par>
-                          <p:cTn id="18" fill="hold">
-                            <p:stCondLst>
-                              <p:cond delay="0"/>
-                            </p:stCondLst>
-                            <p:childTnLst>
-                              <p:par>
-                                <p:cTn id="19" presetID="1" presetClass="entr" presetSubtype="0" fill="hold" grpId="0" nodeType="clickEffect">
-                                  <p:stCondLst>
-                                    <p:cond delay="0"/>
-                                  </p:stCondLst>
-                                  <p:childTnLst>
-                                    <p:set>
-                                      <p:cBhvr>
-                                        <p:cTn id="20" dur="1" fill="hold">
-                                          <p:stCondLst>
-                                            <p:cond delay="0"/>
-                                          </p:stCondLst>
-                                        </p:cTn>
-                                        <p:tgtEl>
-                                          <p:spTgt spid="3">
-                                            <p:txEl>
-                                              <p:pRg st="4" end="4"/>
                                             </p:txEl>
                                           </p:spTgt>
                                         </p:tgtEl>

--- a/docpac_20270123/Weekly Review.pptx
+++ b/docpac_20270123/Weekly Review.pptx
@@ -3704,7 +3704,7 @@
           <a:p>
             <a:r>
               <a:rPr lang="en-US" dirty="0"/>
-              <a:t>This week</a:t>
+              <a:t>This week / Loose Ends</a:t>
             </a:r>
           </a:p>
         </p:txBody>
@@ -3766,6 +3766,17 @@
               <a:rPr lang="en-US" dirty="0"/>
               <a:t>Put things back where you found them.</a:t>
             </a:r>
+          </a:p>
+          <a:p>
+            <a:r>
+              <a:rPr lang="en-US" dirty="0"/>
+              <a:t>“If you think it, </a:t>
+            </a:r>
+            <a:r>
+              <a:rPr lang="en-US"/>
+              <a:t>ink it.”</a:t>
+            </a:r>
+            <a:endParaRPr lang="en-US" dirty="0"/>
           </a:p>
           <a:p>
             <a:r>
@@ -4103,15 +4114,33 @@
                                   </p:childTnLst>
                                 </p:cTn>
                               </p:par>
+                            </p:childTnLst>
+                          </p:cTn>
+                        </p:par>
+                      </p:childTnLst>
+                    </p:cTn>
+                  </p:par>
+                  <p:par>
+                    <p:cTn id="25" fill="hold">
+                      <p:stCondLst>
+                        <p:cond delay="indefinite"/>
+                      </p:stCondLst>
+                      <p:childTnLst>
+                        <p:par>
+                          <p:cTn id="26" fill="hold">
+                            <p:stCondLst>
+                              <p:cond delay="0"/>
+                            </p:stCondLst>
+                            <p:childTnLst>
                               <p:par>
-                                <p:cTn id="25" presetID="1" presetClass="entr" presetSubtype="0" fill="hold" grpId="0" nodeType="withEffect">
+                                <p:cTn id="27" presetID="1" presetClass="entr" presetSubtype="0" fill="hold" grpId="0" nodeType="clickEffect">
                                   <p:stCondLst>
                                     <p:cond delay="0"/>
                                   </p:stCondLst>
                                   <p:childTnLst>
                                     <p:set>
                                       <p:cBhvr>
-                                        <p:cTn id="26" dur="1" fill="hold">
+                                        <p:cTn id="28" dur="1" fill="hold">
                                           <p:stCondLst>
                                             <p:cond delay="0"/>
                                           </p:stCondLst>
@@ -4120,6 +4149,37 @@
                                           <p:spTgt spid="3">
                                             <p:txEl>
                                               <p:pRg st="7" end="7"/>
+                                            </p:txEl>
+                                          </p:spTgt>
+                                        </p:tgtEl>
+                                        <p:attrNameLst>
+                                          <p:attrName>style.visibility</p:attrName>
+                                        </p:attrNameLst>
+                                      </p:cBhvr>
+                                      <p:to>
+                                        <p:strVal val="visible"/>
+                                      </p:to>
+                                    </p:set>
+                                  </p:childTnLst>
+                                </p:cTn>
+                              </p:par>
+                              <p:par>
+                                <p:cTn id="29" presetID="1" presetClass="entr" presetSubtype="0" fill="hold" grpId="0" nodeType="withEffect">
+                                  <p:stCondLst>
+                                    <p:cond delay="0"/>
+                                  </p:stCondLst>
+                                  <p:childTnLst>
+                                    <p:set>
+                                      <p:cBhvr>
+                                        <p:cTn id="30" dur="1" fill="hold">
+                                          <p:stCondLst>
+                                            <p:cond delay="0"/>
+                                          </p:stCondLst>
+                                        </p:cTn>
+                                        <p:tgtEl>
+                                          <p:spTgt spid="3">
+                                            <p:txEl>
+                                              <p:pRg st="8" end="8"/>
                                             </p:txEl>
                                           </p:spTgt>
                                         </p:tgtEl>
